--- a/visualize algo.pptx
+++ b/visualize algo.pptx
@@ -10,6 +10,7 @@
     <p:sldId id="258" r:id="rId4"/>
     <p:sldId id="259" r:id="rId5"/>
     <p:sldId id="298" r:id="rId6"/>
+    <p:sldId id="299" r:id="rId7"/>
   </p:sldIdLst>
   <p:sldSz cx="12192000" cy="6858000"/>
   <p:notesSz cx="6858000" cy="9144000"/>
@@ -5833,10 +5834,1396 @@
           <a:chExt cx="0" cy="0"/>
         </a:xfrm>
       </p:grpSpPr>
+      <p:sp>
+        <p:nvSpPr>
+          <p:cNvPr id="4" name="Oval 3">
+            <a:extLst>
+              <a:ext uri="{FF2B5EF4-FFF2-40B4-BE49-F238E27FC236}">
+                <a16:creationId xmlns:a16="http://schemas.microsoft.com/office/drawing/2014/main" id="{174FC5D8-5197-443C-BB4B-EB1C1FC9845B}"/>
+              </a:ext>
+            </a:extLst>
+          </p:cNvPr>
+          <p:cNvSpPr/>
+          <p:nvPr/>
+        </p:nvSpPr>
+        <p:spPr>
+          <a:xfrm>
+            <a:off x="1611824" y="1007390"/>
+            <a:ext cx="573437" cy="573437"/>
+          </a:xfrm>
+          <a:prstGeom prst="ellipse">
+            <a:avLst/>
+          </a:prstGeom>
+          <a:solidFill>
+            <a:srgbClr val="00B0F0"/>
+          </a:solidFill>
+        </p:spPr>
+        <p:style>
+          <a:lnRef idx="2">
+            <a:schemeClr val="accent1">
+              <a:shade val="50000"/>
+            </a:schemeClr>
+          </a:lnRef>
+          <a:fillRef idx="1">
+            <a:schemeClr val="accent1"/>
+          </a:fillRef>
+          <a:effectRef idx="0">
+            <a:schemeClr val="accent1"/>
+          </a:effectRef>
+          <a:fontRef idx="minor">
+            <a:schemeClr val="lt1"/>
+          </a:fontRef>
+        </p:style>
+        <p:txBody>
+          <a:bodyPr rtlCol="0" anchor="ctr"/>
+          <a:lstStyle/>
+          <a:p>
+            <a:pPr algn="ctr"/>
+            <a:r>
+              <a:rPr lang="en-US" dirty="0"/>
+              <a:t>A</a:t>
+            </a:r>
+          </a:p>
+        </p:txBody>
+      </p:sp>
+      <p:sp>
+        <p:nvSpPr>
+          <p:cNvPr id="5" name="Oval 4">
+            <a:extLst>
+              <a:ext uri="{FF2B5EF4-FFF2-40B4-BE49-F238E27FC236}">
+                <a16:creationId xmlns:a16="http://schemas.microsoft.com/office/drawing/2014/main" id="{9B60E789-B670-4DBC-B1E5-866D04AF2EC5}"/>
+              </a:ext>
+            </a:extLst>
+          </p:cNvPr>
+          <p:cNvSpPr/>
+          <p:nvPr/>
+        </p:nvSpPr>
+        <p:spPr>
+          <a:xfrm>
+            <a:off x="1611823" y="2725119"/>
+            <a:ext cx="573437" cy="573437"/>
+          </a:xfrm>
+          <a:prstGeom prst="ellipse">
+            <a:avLst/>
+          </a:prstGeom>
+          <a:solidFill>
+            <a:srgbClr val="00B0F0"/>
+          </a:solidFill>
+        </p:spPr>
+        <p:style>
+          <a:lnRef idx="2">
+            <a:schemeClr val="accent1">
+              <a:shade val="50000"/>
+            </a:schemeClr>
+          </a:lnRef>
+          <a:fillRef idx="1">
+            <a:schemeClr val="accent1"/>
+          </a:fillRef>
+          <a:effectRef idx="0">
+            <a:schemeClr val="accent1"/>
+          </a:effectRef>
+          <a:fontRef idx="minor">
+            <a:schemeClr val="lt1"/>
+          </a:fontRef>
+        </p:style>
+        <p:txBody>
+          <a:bodyPr rtlCol="0" anchor="ctr"/>
+          <a:lstStyle/>
+          <a:p>
+            <a:pPr algn="ctr"/>
+            <a:r>
+              <a:rPr lang="en-US" dirty="0"/>
+              <a:t>C</a:t>
+            </a:r>
+          </a:p>
+        </p:txBody>
+      </p:sp>
+      <p:sp>
+        <p:nvSpPr>
+          <p:cNvPr id="6" name="Oval 5">
+            <a:extLst>
+              <a:ext uri="{FF2B5EF4-FFF2-40B4-BE49-F238E27FC236}">
+                <a16:creationId xmlns:a16="http://schemas.microsoft.com/office/drawing/2014/main" id="{B22C3054-AA51-4304-B3B5-5CF65FEF5F0F}"/>
+              </a:ext>
+            </a:extLst>
+          </p:cNvPr>
+          <p:cNvSpPr/>
+          <p:nvPr/>
+        </p:nvSpPr>
+        <p:spPr>
+          <a:xfrm>
+            <a:off x="4786393" y="1007390"/>
+            <a:ext cx="573437" cy="573437"/>
+          </a:xfrm>
+          <a:prstGeom prst="ellipse">
+            <a:avLst/>
+          </a:prstGeom>
+          <a:solidFill>
+            <a:srgbClr val="00B0F0"/>
+          </a:solidFill>
+        </p:spPr>
+        <p:style>
+          <a:lnRef idx="2">
+            <a:schemeClr val="accent1">
+              <a:shade val="50000"/>
+            </a:schemeClr>
+          </a:lnRef>
+          <a:fillRef idx="1">
+            <a:schemeClr val="accent1"/>
+          </a:fillRef>
+          <a:effectRef idx="0">
+            <a:schemeClr val="accent1"/>
+          </a:effectRef>
+          <a:fontRef idx="minor">
+            <a:schemeClr val="lt1"/>
+          </a:fontRef>
+        </p:style>
+        <p:txBody>
+          <a:bodyPr rtlCol="0" anchor="ctr"/>
+          <a:lstStyle/>
+          <a:p>
+            <a:pPr algn="ctr"/>
+            <a:r>
+              <a:rPr lang="en-US" dirty="0"/>
+              <a:t>B</a:t>
+            </a:r>
+          </a:p>
+        </p:txBody>
+      </p:sp>
+      <p:sp>
+        <p:nvSpPr>
+          <p:cNvPr id="7" name="Oval 6">
+            <a:extLst>
+              <a:ext uri="{FF2B5EF4-FFF2-40B4-BE49-F238E27FC236}">
+                <a16:creationId xmlns:a16="http://schemas.microsoft.com/office/drawing/2014/main" id="{9CB6548E-6A62-4A1F-A5D5-D298123BBB42}"/>
+              </a:ext>
+            </a:extLst>
+          </p:cNvPr>
+          <p:cNvSpPr/>
+          <p:nvPr/>
+        </p:nvSpPr>
+        <p:spPr>
+          <a:xfrm>
+            <a:off x="4817389" y="2725118"/>
+            <a:ext cx="573437" cy="573437"/>
+          </a:xfrm>
+          <a:prstGeom prst="ellipse">
+            <a:avLst/>
+          </a:prstGeom>
+          <a:solidFill>
+            <a:srgbClr val="00B0F0"/>
+          </a:solidFill>
+        </p:spPr>
+        <p:style>
+          <a:lnRef idx="2">
+            <a:schemeClr val="accent1">
+              <a:shade val="50000"/>
+            </a:schemeClr>
+          </a:lnRef>
+          <a:fillRef idx="1">
+            <a:schemeClr val="accent1"/>
+          </a:fillRef>
+          <a:effectRef idx="0">
+            <a:schemeClr val="accent1"/>
+          </a:effectRef>
+          <a:fontRef idx="minor">
+            <a:schemeClr val="lt1"/>
+          </a:fontRef>
+        </p:style>
+        <p:txBody>
+          <a:bodyPr rtlCol="0" anchor="ctr"/>
+          <a:lstStyle/>
+          <a:p>
+            <a:pPr algn="ctr"/>
+            <a:r>
+              <a:rPr lang="en-US" dirty="0"/>
+              <a:t>D</a:t>
+            </a:r>
+          </a:p>
+        </p:txBody>
+      </p:sp>
+      <p:sp>
+        <p:nvSpPr>
+          <p:cNvPr id="8" name="Oval 7">
+            <a:extLst>
+              <a:ext uri="{FF2B5EF4-FFF2-40B4-BE49-F238E27FC236}">
+                <a16:creationId xmlns:a16="http://schemas.microsoft.com/office/drawing/2014/main" id="{EE8AA5EE-BC30-4636-8E03-45AFBE94F69C}"/>
+              </a:ext>
+            </a:extLst>
+          </p:cNvPr>
+          <p:cNvSpPr/>
+          <p:nvPr/>
+        </p:nvSpPr>
+        <p:spPr>
+          <a:xfrm>
+            <a:off x="7477930" y="2725118"/>
+            <a:ext cx="573437" cy="573437"/>
+          </a:xfrm>
+          <a:prstGeom prst="ellipse">
+            <a:avLst/>
+          </a:prstGeom>
+          <a:solidFill>
+            <a:srgbClr val="00B0F0"/>
+          </a:solidFill>
+        </p:spPr>
+        <p:style>
+          <a:lnRef idx="2">
+            <a:schemeClr val="accent1">
+              <a:shade val="50000"/>
+            </a:schemeClr>
+          </a:lnRef>
+          <a:fillRef idx="1">
+            <a:schemeClr val="accent1"/>
+          </a:fillRef>
+          <a:effectRef idx="0">
+            <a:schemeClr val="accent1"/>
+          </a:effectRef>
+          <a:fontRef idx="minor">
+            <a:schemeClr val="lt1"/>
+          </a:fontRef>
+        </p:style>
+        <p:txBody>
+          <a:bodyPr rtlCol="0" anchor="ctr"/>
+          <a:lstStyle/>
+          <a:p>
+            <a:pPr algn="ctr"/>
+            <a:r>
+              <a:rPr lang="en-US" dirty="0"/>
+              <a:t>E</a:t>
+            </a:r>
+          </a:p>
+        </p:txBody>
+      </p:sp>
+      <p:sp>
+        <p:nvSpPr>
+          <p:cNvPr id="9" name="Oval 8">
+            <a:extLst>
+              <a:ext uri="{FF2B5EF4-FFF2-40B4-BE49-F238E27FC236}">
+                <a16:creationId xmlns:a16="http://schemas.microsoft.com/office/drawing/2014/main" id="{6511AA30-B4FE-4C9D-89DC-D01CB83B973D}"/>
+              </a:ext>
+            </a:extLst>
+          </p:cNvPr>
+          <p:cNvSpPr/>
+          <p:nvPr/>
+        </p:nvSpPr>
+        <p:spPr>
+          <a:xfrm>
+            <a:off x="7477930" y="5155769"/>
+            <a:ext cx="573437" cy="573437"/>
+          </a:xfrm>
+          <a:prstGeom prst="ellipse">
+            <a:avLst/>
+          </a:prstGeom>
+          <a:solidFill>
+            <a:srgbClr val="00B0F0"/>
+          </a:solidFill>
+        </p:spPr>
+        <p:style>
+          <a:lnRef idx="2">
+            <a:schemeClr val="accent1">
+              <a:shade val="50000"/>
+            </a:schemeClr>
+          </a:lnRef>
+          <a:fillRef idx="1">
+            <a:schemeClr val="accent1"/>
+          </a:fillRef>
+          <a:effectRef idx="0">
+            <a:schemeClr val="accent1"/>
+          </a:effectRef>
+          <a:fontRef idx="minor">
+            <a:schemeClr val="lt1"/>
+          </a:fontRef>
+        </p:style>
+        <p:txBody>
+          <a:bodyPr rtlCol="0" anchor="ctr"/>
+          <a:lstStyle/>
+          <a:p>
+            <a:pPr algn="ctr"/>
+            <a:r>
+              <a:rPr lang="en-US" dirty="0"/>
+              <a:t>F</a:t>
+            </a:r>
+          </a:p>
+        </p:txBody>
+      </p:sp>
+      <p:cxnSp>
+        <p:nvCxnSpPr>
+          <p:cNvPr id="11" name="Straight Arrow Connector 10">
+            <a:extLst>
+              <a:ext uri="{FF2B5EF4-FFF2-40B4-BE49-F238E27FC236}">
+                <a16:creationId xmlns:a16="http://schemas.microsoft.com/office/drawing/2014/main" id="{BB659CAA-E2A0-4DC4-93D5-B623CFF09C34}"/>
+              </a:ext>
+            </a:extLst>
+          </p:cNvPr>
+          <p:cNvCxnSpPr>
+            <a:stCxn id="4" idx="6"/>
+            <a:endCxn id="6" idx="2"/>
+          </p:cNvCxnSpPr>
+          <p:nvPr/>
+        </p:nvCxnSpPr>
+        <p:spPr>
+          <a:xfrm>
+            <a:off x="2185261" y="1294109"/>
+            <a:ext cx="2601132" cy="0"/>
+          </a:xfrm>
+          <a:prstGeom prst="straightConnector1">
+            <a:avLst/>
+          </a:prstGeom>
+          <a:ln w="57150">
+            <a:solidFill>
+              <a:srgbClr val="FF0000"/>
+            </a:solidFill>
+            <a:tailEnd type="triangle"/>
+          </a:ln>
+        </p:spPr>
+        <p:style>
+          <a:lnRef idx="1">
+            <a:schemeClr val="accent1"/>
+          </a:lnRef>
+          <a:fillRef idx="0">
+            <a:schemeClr val="accent1"/>
+          </a:fillRef>
+          <a:effectRef idx="0">
+            <a:schemeClr val="accent1"/>
+          </a:effectRef>
+          <a:fontRef idx="minor">
+            <a:schemeClr val="tx1"/>
+          </a:fontRef>
+        </p:style>
+      </p:cxnSp>
+      <p:cxnSp>
+        <p:nvCxnSpPr>
+          <p:cNvPr id="12" name="Straight Arrow Connector 11">
+            <a:extLst>
+              <a:ext uri="{FF2B5EF4-FFF2-40B4-BE49-F238E27FC236}">
+                <a16:creationId xmlns:a16="http://schemas.microsoft.com/office/drawing/2014/main" id="{B72675BA-6932-4471-8D18-F29C2D65FD56}"/>
+              </a:ext>
+            </a:extLst>
+          </p:cNvPr>
+          <p:cNvCxnSpPr>
+            <a:cxnSpLocks/>
+            <a:stCxn id="4" idx="4"/>
+            <a:endCxn id="5" idx="0"/>
+          </p:cNvCxnSpPr>
+          <p:nvPr/>
+        </p:nvCxnSpPr>
+        <p:spPr>
+          <a:xfrm flipH="1">
+            <a:off x="1898542" y="1580827"/>
+            <a:ext cx="1" cy="1144292"/>
+          </a:xfrm>
+          <a:prstGeom prst="straightConnector1">
+            <a:avLst/>
+          </a:prstGeom>
+          <a:ln w="57150">
+            <a:solidFill>
+              <a:srgbClr val="FF0000"/>
+            </a:solidFill>
+            <a:tailEnd type="triangle"/>
+          </a:ln>
+        </p:spPr>
+        <p:style>
+          <a:lnRef idx="1">
+            <a:schemeClr val="accent1"/>
+          </a:lnRef>
+          <a:fillRef idx="0">
+            <a:schemeClr val="accent1"/>
+          </a:fillRef>
+          <a:effectRef idx="0">
+            <a:schemeClr val="accent1"/>
+          </a:effectRef>
+          <a:fontRef idx="minor">
+            <a:schemeClr val="tx1"/>
+          </a:fontRef>
+        </p:style>
+      </p:cxnSp>
+      <p:cxnSp>
+        <p:nvCxnSpPr>
+          <p:cNvPr id="15" name="Straight Arrow Connector 14">
+            <a:extLst>
+              <a:ext uri="{FF2B5EF4-FFF2-40B4-BE49-F238E27FC236}">
+                <a16:creationId xmlns:a16="http://schemas.microsoft.com/office/drawing/2014/main" id="{2765F9B7-C1EF-430A-82D9-96ED57223A22}"/>
+              </a:ext>
+            </a:extLst>
+          </p:cNvPr>
+          <p:cNvCxnSpPr>
+            <a:cxnSpLocks/>
+            <a:stCxn id="4" idx="5"/>
+            <a:endCxn id="7" idx="1"/>
+          </p:cNvCxnSpPr>
+          <p:nvPr/>
+        </p:nvCxnSpPr>
+        <p:spPr>
+          <a:xfrm>
+            <a:off x="2101283" y="1496849"/>
+            <a:ext cx="2800084" cy="1312247"/>
+          </a:xfrm>
+          <a:prstGeom prst="straightConnector1">
+            <a:avLst/>
+          </a:prstGeom>
+          <a:ln w="57150">
+            <a:solidFill>
+              <a:srgbClr val="FF0000"/>
+            </a:solidFill>
+            <a:tailEnd type="triangle"/>
+          </a:ln>
+        </p:spPr>
+        <p:style>
+          <a:lnRef idx="1">
+            <a:schemeClr val="accent1"/>
+          </a:lnRef>
+          <a:fillRef idx="0">
+            <a:schemeClr val="accent1"/>
+          </a:fillRef>
+          <a:effectRef idx="0">
+            <a:schemeClr val="accent1"/>
+          </a:effectRef>
+          <a:fontRef idx="minor">
+            <a:schemeClr val="tx1"/>
+          </a:fontRef>
+        </p:style>
+      </p:cxnSp>
+      <p:cxnSp>
+        <p:nvCxnSpPr>
+          <p:cNvPr id="18" name="Straight Arrow Connector 17">
+            <a:extLst>
+              <a:ext uri="{FF2B5EF4-FFF2-40B4-BE49-F238E27FC236}">
+                <a16:creationId xmlns:a16="http://schemas.microsoft.com/office/drawing/2014/main" id="{0A3EB206-3A9D-4874-9389-E85E04D57321}"/>
+              </a:ext>
+            </a:extLst>
+          </p:cNvPr>
+          <p:cNvCxnSpPr>
+            <a:cxnSpLocks/>
+            <a:endCxn id="7" idx="0"/>
+          </p:cNvCxnSpPr>
+          <p:nvPr/>
+        </p:nvCxnSpPr>
+        <p:spPr>
+          <a:xfrm>
+            <a:off x="5104107" y="1580827"/>
+            <a:ext cx="1" cy="1144291"/>
+          </a:xfrm>
+          <a:prstGeom prst="straightConnector1">
+            <a:avLst/>
+          </a:prstGeom>
+          <a:ln w="57150">
+            <a:solidFill>
+              <a:srgbClr val="FF0000"/>
+            </a:solidFill>
+            <a:tailEnd type="triangle"/>
+          </a:ln>
+        </p:spPr>
+        <p:style>
+          <a:lnRef idx="1">
+            <a:schemeClr val="accent1"/>
+          </a:lnRef>
+          <a:fillRef idx="0">
+            <a:schemeClr val="accent1"/>
+          </a:fillRef>
+          <a:effectRef idx="0">
+            <a:schemeClr val="accent1"/>
+          </a:effectRef>
+          <a:fontRef idx="minor">
+            <a:schemeClr val="tx1"/>
+          </a:fontRef>
+        </p:style>
+      </p:cxnSp>
+      <p:cxnSp>
+        <p:nvCxnSpPr>
+          <p:cNvPr id="19" name="Straight Arrow Connector 18">
+            <a:extLst>
+              <a:ext uri="{FF2B5EF4-FFF2-40B4-BE49-F238E27FC236}">
+                <a16:creationId xmlns:a16="http://schemas.microsoft.com/office/drawing/2014/main" id="{66232EF4-DAD7-4AF7-BF74-BC8EAEF8346F}"/>
+              </a:ext>
+            </a:extLst>
+          </p:cNvPr>
+          <p:cNvCxnSpPr>
+            <a:cxnSpLocks/>
+            <a:stCxn id="6" idx="3"/>
+            <a:endCxn id="5" idx="7"/>
+          </p:cNvCxnSpPr>
+          <p:nvPr/>
+        </p:nvCxnSpPr>
+        <p:spPr>
+          <a:xfrm flipH="1">
+            <a:off x="2101282" y="1496849"/>
+            <a:ext cx="2769089" cy="1312248"/>
+          </a:xfrm>
+          <a:prstGeom prst="straightConnector1">
+            <a:avLst/>
+          </a:prstGeom>
+          <a:ln w="57150">
+            <a:solidFill>
+              <a:srgbClr val="FF0000"/>
+            </a:solidFill>
+            <a:tailEnd type="triangle"/>
+          </a:ln>
+        </p:spPr>
+        <p:style>
+          <a:lnRef idx="1">
+            <a:schemeClr val="accent1"/>
+          </a:lnRef>
+          <a:fillRef idx="0">
+            <a:schemeClr val="accent1"/>
+          </a:fillRef>
+          <a:effectRef idx="0">
+            <a:schemeClr val="accent1"/>
+          </a:effectRef>
+          <a:fontRef idx="minor">
+            <a:schemeClr val="tx1"/>
+          </a:fontRef>
+        </p:style>
+      </p:cxnSp>
+      <p:cxnSp>
+        <p:nvCxnSpPr>
+          <p:cNvPr id="25" name="Straight Arrow Connector 24">
+            <a:extLst>
+              <a:ext uri="{FF2B5EF4-FFF2-40B4-BE49-F238E27FC236}">
+                <a16:creationId xmlns:a16="http://schemas.microsoft.com/office/drawing/2014/main" id="{54E81DD0-8A4C-411B-B839-629469A87843}"/>
+              </a:ext>
+            </a:extLst>
+          </p:cNvPr>
+          <p:cNvCxnSpPr>
+            <a:cxnSpLocks/>
+            <a:stCxn id="5" idx="2"/>
+            <a:endCxn id="4" idx="2"/>
+          </p:cNvCxnSpPr>
+          <p:nvPr/>
+        </p:nvCxnSpPr>
+        <p:spPr>
+          <a:xfrm flipV="1">
+            <a:off x="1611823" y="1294109"/>
+            <a:ext cx="1" cy="1717729"/>
+          </a:xfrm>
+          <a:prstGeom prst="straightConnector1">
+            <a:avLst/>
+          </a:prstGeom>
+          <a:ln w="57150">
+            <a:solidFill>
+              <a:srgbClr val="FF0000"/>
+            </a:solidFill>
+            <a:tailEnd type="triangle"/>
+          </a:ln>
+        </p:spPr>
+        <p:style>
+          <a:lnRef idx="1">
+            <a:schemeClr val="accent1"/>
+          </a:lnRef>
+          <a:fillRef idx="0">
+            <a:schemeClr val="accent1"/>
+          </a:fillRef>
+          <a:effectRef idx="0">
+            <a:schemeClr val="accent1"/>
+          </a:effectRef>
+          <a:fontRef idx="minor">
+            <a:schemeClr val="tx1"/>
+          </a:fontRef>
+        </p:style>
+      </p:cxnSp>
+      <p:cxnSp>
+        <p:nvCxnSpPr>
+          <p:cNvPr id="29" name="Straight Arrow Connector 28">
+            <a:extLst>
+              <a:ext uri="{FF2B5EF4-FFF2-40B4-BE49-F238E27FC236}">
+                <a16:creationId xmlns:a16="http://schemas.microsoft.com/office/drawing/2014/main" id="{BE11B419-8710-4DE0-953A-758E8A2BB4B9}"/>
+              </a:ext>
+            </a:extLst>
+          </p:cNvPr>
+          <p:cNvCxnSpPr>
+            <a:cxnSpLocks/>
+            <a:stCxn id="5" idx="4"/>
+            <a:endCxn id="9" idx="1"/>
+          </p:cNvCxnSpPr>
+          <p:nvPr/>
+        </p:nvCxnSpPr>
+        <p:spPr>
+          <a:xfrm>
+            <a:off x="1898542" y="3298556"/>
+            <a:ext cx="5663366" cy="1941191"/>
+          </a:xfrm>
+          <a:prstGeom prst="straightConnector1">
+            <a:avLst/>
+          </a:prstGeom>
+          <a:ln w="57150">
+            <a:solidFill>
+              <a:srgbClr val="FF0000"/>
+            </a:solidFill>
+            <a:tailEnd type="triangle"/>
+          </a:ln>
+        </p:spPr>
+        <p:style>
+          <a:lnRef idx="1">
+            <a:schemeClr val="accent1"/>
+          </a:lnRef>
+          <a:fillRef idx="0">
+            <a:schemeClr val="accent1"/>
+          </a:fillRef>
+          <a:effectRef idx="0">
+            <a:schemeClr val="accent1"/>
+          </a:effectRef>
+          <a:fontRef idx="minor">
+            <a:schemeClr val="tx1"/>
+          </a:fontRef>
+        </p:style>
+      </p:cxnSp>
+      <p:cxnSp>
+        <p:nvCxnSpPr>
+          <p:cNvPr id="32" name="Straight Arrow Connector 31">
+            <a:extLst>
+              <a:ext uri="{FF2B5EF4-FFF2-40B4-BE49-F238E27FC236}">
+                <a16:creationId xmlns:a16="http://schemas.microsoft.com/office/drawing/2014/main" id="{FD642E71-9984-4955-9473-510C4998E9F2}"/>
+              </a:ext>
+            </a:extLst>
+          </p:cNvPr>
+          <p:cNvCxnSpPr>
+            <a:cxnSpLocks/>
+            <a:stCxn id="8" idx="4"/>
+            <a:endCxn id="9" idx="0"/>
+          </p:cNvCxnSpPr>
+          <p:nvPr/>
+        </p:nvCxnSpPr>
+        <p:spPr>
+          <a:xfrm>
+            <a:off x="7764649" y="3298555"/>
+            <a:ext cx="0" cy="1857214"/>
+          </a:xfrm>
+          <a:prstGeom prst="straightConnector1">
+            <a:avLst/>
+          </a:prstGeom>
+          <a:ln w="57150">
+            <a:solidFill>
+              <a:srgbClr val="FF0000"/>
+            </a:solidFill>
+            <a:tailEnd type="triangle"/>
+          </a:ln>
+        </p:spPr>
+        <p:style>
+          <a:lnRef idx="1">
+            <a:schemeClr val="accent1"/>
+          </a:lnRef>
+          <a:fillRef idx="0">
+            <a:schemeClr val="accent1"/>
+          </a:fillRef>
+          <a:effectRef idx="0">
+            <a:schemeClr val="accent1"/>
+          </a:effectRef>
+          <a:fontRef idx="minor">
+            <a:schemeClr val="tx1"/>
+          </a:fontRef>
+        </p:style>
+      </p:cxnSp>
     </p:spTree>
     <p:extLst>
       <p:ext uri="{BB962C8B-B14F-4D97-AF65-F5344CB8AC3E}">
         <p14:creationId xmlns:p14="http://schemas.microsoft.com/office/powerpoint/2010/main" val="3833124811"/>
+      </p:ext>
+    </p:extLst>
+  </p:cSld>
+  <p:clrMapOvr>
+    <a:masterClrMapping/>
+  </p:clrMapOvr>
+</p:sld>
+</file>
+
+<file path=ppt/slides/slide6.xml><?xml version="1.0" encoding="utf-8"?>
+<p:sld xmlns:a="http://schemas.openxmlformats.org/drawingml/2006/main" xmlns:r="http://schemas.openxmlformats.org/officeDocument/2006/relationships" xmlns:p="http://schemas.openxmlformats.org/presentationml/2006/main">
+  <p:cSld>
+    <p:spTree>
+      <p:nvGrpSpPr>
+        <p:cNvPr id="1" name=""/>
+        <p:cNvGrpSpPr/>
+        <p:nvPr/>
+      </p:nvGrpSpPr>
+      <p:grpSpPr>
+        <a:xfrm>
+          <a:off x="0" y="0"/>
+          <a:ext cx="0" cy="0"/>
+          <a:chOff x="0" y="0"/>
+          <a:chExt cx="0" cy="0"/>
+        </a:xfrm>
+      </p:grpSpPr>
+      <p:sp>
+        <p:nvSpPr>
+          <p:cNvPr id="4" name="Oval 3">
+            <a:extLst>
+              <a:ext uri="{FF2B5EF4-FFF2-40B4-BE49-F238E27FC236}">
+                <a16:creationId xmlns:a16="http://schemas.microsoft.com/office/drawing/2014/main" id="{174FC5D8-5197-443C-BB4B-EB1C1FC9845B}"/>
+              </a:ext>
+            </a:extLst>
+          </p:cNvPr>
+          <p:cNvSpPr/>
+          <p:nvPr/>
+        </p:nvSpPr>
+        <p:spPr>
+          <a:xfrm>
+            <a:off x="1611824" y="1007390"/>
+            <a:ext cx="573437" cy="573437"/>
+          </a:xfrm>
+          <a:prstGeom prst="ellipse">
+            <a:avLst/>
+          </a:prstGeom>
+          <a:solidFill>
+            <a:srgbClr val="00B0F0"/>
+          </a:solidFill>
+        </p:spPr>
+        <p:style>
+          <a:lnRef idx="2">
+            <a:schemeClr val="accent1">
+              <a:shade val="50000"/>
+            </a:schemeClr>
+          </a:lnRef>
+          <a:fillRef idx="1">
+            <a:schemeClr val="accent1"/>
+          </a:fillRef>
+          <a:effectRef idx="0">
+            <a:schemeClr val="accent1"/>
+          </a:effectRef>
+          <a:fontRef idx="minor">
+            <a:schemeClr val="lt1"/>
+          </a:fontRef>
+        </p:style>
+        <p:txBody>
+          <a:bodyPr rtlCol="0" anchor="ctr"/>
+          <a:lstStyle/>
+          <a:p>
+            <a:pPr algn="ctr"/>
+            <a:r>
+              <a:rPr lang="en-US" dirty="0"/>
+              <a:t>A</a:t>
+            </a:r>
+          </a:p>
+        </p:txBody>
+      </p:sp>
+      <p:sp>
+        <p:nvSpPr>
+          <p:cNvPr id="5" name="Oval 4">
+            <a:extLst>
+              <a:ext uri="{FF2B5EF4-FFF2-40B4-BE49-F238E27FC236}">
+                <a16:creationId xmlns:a16="http://schemas.microsoft.com/office/drawing/2014/main" id="{9B60E789-B670-4DBC-B1E5-866D04AF2EC5}"/>
+              </a:ext>
+            </a:extLst>
+          </p:cNvPr>
+          <p:cNvSpPr/>
+          <p:nvPr/>
+        </p:nvSpPr>
+        <p:spPr>
+          <a:xfrm>
+            <a:off x="1611823" y="2725119"/>
+            <a:ext cx="573437" cy="573437"/>
+          </a:xfrm>
+          <a:prstGeom prst="ellipse">
+            <a:avLst/>
+          </a:prstGeom>
+          <a:solidFill>
+            <a:srgbClr val="00B0F0"/>
+          </a:solidFill>
+        </p:spPr>
+        <p:style>
+          <a:lnRef idx="2">
+            <a:schemeClr val="accent1">
+              <a:shade val="50000"/>
+            </a:schemeClr>
+          </a:lnRef>
+          <a:fillRef idx="1">
+            <a:schemeClr val="accent1"/>
+          </a:fillRef>
+          <a:effectRef idx="0">
+            <a:schemeClr val="accent1"/>
+          </a:effectRef>
+          <a:fontRef idx="minor">
+            <a:schemeClr val="lt1"/>
+          </a:fontRef>
+        </p:style>
+        <p:txBody>
+          <a:bodyPr rtlCol="0" anchor="ctr"/>
+          <a:lstStyle/>
+          <a:p>
+            <a:pPr algn="ctr"/>
+            <a:r>
+              <a:rPr lang="en-US" dirty="0"/>
+              <a:t>C</a:t>
+            </a:r>
+          </a:p>
+        </p:txBody>
+      </p:sp>
+      <p:sp>
+        <p:nvSpPr>
+          <p:cNvPr id="6" name="Oval 5">
+            <a:extLst>
+              <a:ext uri="{FF2B5EF4-FFF2-40B4-BE49-F238E27FC236}">
+                <a16:creationId xmlns:a16="http://schemas.microsoft.com/office/drawing/2014/main" id="{B22C3054-AA51-4304-B3B5-5CF65FEF5F0F}"/>
+              </a:ext>
+            </a:extLst>
+          </p:cNvPr>
+          <p:cNvSpPr/>
+          <p:nvPr/>
+        </p:nvSpPr>
+        <p:spPr>
+          <a:xfrm>
+            <a:off x="4786393" y="1007390"/>
+            <a:ext cx="573437" cy="573437"/>
+          </a:xfrm>
+          <a:prstGeom prst="ellipse">
+            <a:avLst/>
+          </a:prstGeom>
+          <a:solidFill>
+            <a:srgbClr val="00B0F0"/>
+          </a:solidFill>
+        </p:spPr>
+        <p:style>
+          <a:lnRef idx="2">
+            <a:schemeClr val="accent1">
+              <a:shade val="50000"/>
+            </a:schemeClr>
+          </a:lnRef>
+          <a:fillRef idx="1">
+            <a:schemeClr val="accent1"/>
+          </a:fillRef>
+          <a:effectRef idx="0">
+            <a:schemeClr val="accent1"/>
+          </a:effectRef>
+          <a:fontRef idx="minor">
+            <a:schemeClr val="lt1"/>
+          </a:fontRef>
+        </p:style>
+        <p:txBody>
+          <a:bodyPr rtlCol="0" anchor="ctr"/>
+          <a:lstStyle/>
+          <a:p>
+            <a:pPr algn="ctr"/>
+            <a:r>
+              <a:rPr lang="en-US" dirty="0"/>
+              <a:t>B</a:t>
+            </a:r>
+          </a:p>
+        </p:txBody>
+      </p:sp>
+      <p:sp>
+        <p:nvSpPr>
+          <p:cNvPr id="7" name="Oval 6">
+            <a:extLst>
+              <a:ext uri="{FF2B5EF4-FFF2-40B4-BE49-F238E27FC236}">
+                <a16:creationId xmlns:a16="http://schemas.microsoft.com/office/drawing/2014/main" id="{9CB6548E-6A62-4A1F-A5D5-D298123BBB42}"/>
+              </a:ext>
+            </a:extLst>
+          </p:cNvPr>
+          <p:cNvSpPr/>
+          <p:nvPr/>
+        </p:nvSpPr>
+        <p:spPr>
+          <a:xfrm>
+            <a:off x="4817389" y="2725118"/>
+            <a:ext cx="573437" cy="573437"/>
+          </a:xfrm>
+          <a:prstGeom prst="ellipse">
+            <a:avLst/>
+          </a:prstGeom>
+          <a:solidFill>
+            <a:srgbClr val="00B0F0"/>
+          </a:solidFill>
+        </p:spPr>
+        <p:style>
+          <a:lnRef idx="2">
+            <a:schemeClr val="accent1">
+              <a:shade val="50000"/>
+            </a:schemeClr>
+          </a:lnRef>
+          <a:fillRef idx="1">
+            <a:schemeClr val="accent1"/>
+          </a:fillRef>
+          <a:effectRef idx="0">
+            <a:schemeClr val="accent1"/>
+          </a:effectRef>
+          <a:fontRef idx="minor">
+            <a:schemeClr val="lt1"/>
+          </a:fontRef>
+        </p:style>
+        <p:txBody>
+          <a:bodyPr rtlCol="0" anchor="ctr"/>
+          <a:lstStyle/>
+          <a:p>
+            <a:pPr algn="ctr"/>
+            <a:r>
+              <a:rPr lang="en-US" dirty="0"/>
+              <a:t>D</a:t>
+            </a:r>
+          </a:p>
+        </p:txBody>
+      </p:sp>
+      <p:sp>
+        <p:nvSpPr>
+          <p:cNvPr id="8" name="Oval 7">
+            <a:extLst>
+              <a:ext uri="{FF2B5EF4-FFF2-40B4-BE49-F238E27FC236}">
+                <a16:creationId xmlns:a16="http://schemas.microsoft.com/office/drawing/2014/main" id="{EE8AA5EE-BC30-4636-8E03-45AFBE94F69C}"/>
+              </a:ext>
+            </a:extLst>
+          </p:cNvPr>
+          <p:cNvSpPr/>
+          <p:nvPr/>
+        </p:nvSpPr>
+        <p:spPr>
+          <a:xfrm>
+            <a:off x="7477930" y="2725118"/>
+            <a:ext cx="573437" cy="573437"/>
+          </a:xfrm>
+          <a:prstGeom prst="ellipse">
+            <a:avLst/>
+          </a:prstGeom>
+          <a:solidFill>
+            <a:srgbClr val="00B0F0"/>
+          </a:solidFill>
+        </p:spPr>
+        <p:style>
+          <a:lnRef idx="2">
+            <a:schemeClr val="accent1">
+              <a:shade val="50000"/>
+            </a:schemeClr>
+          </a:lnRef>
+          <a:fillRef idx="1">
+            <a:schemeClr val="accent1"/>
+          </a:fillRef>
+          <a:effectRef idx="0">
+            <a:schemeClr val="accent1"/>
+          </a:effectRef>
+          <a:fontRef idx="minor">
+            <a:schemeClr val="lt1"/>
+          </a:fontRef>
+        </p:style>
+        <p:txBody>
+          <a:bodyPr rtlCol="0" anchor="ctr"/>
+          <a:lstStyle/>
+          <a:p>
+            <a:pPr algn="ctr"/>
+            <a:r>
+              <a:rPr lang="en-US" dirty="0"/>
+              <a:t>E</a:t>
+            </a:r>
+          </a:p>
+        </p:txBody>
+      </p:sp>
+      <p:sp>
+        <p:nvSpPr>
+          <p:cNvPr id="9" name="Oval 8">
+            <a:extLst>
+              <a:ext uri="{FF2B5EF4-FFF2-40B4-BE49-F238E27FC236}">
+                <a16:creationId xmlns:a16="http://schemas.microsoft.com/office/drawing/2014/main" id="{6511AA30-B4FE-4C9D-89DC-D01CB83B973D}"/>
+              </a:ext>
+            </a:extLst>
+          </p:cNvPr>
+          <p:cNvSpPr/>
+          <p:nvPr/>
+        </p:nvSpPr>
+        <p:spPr>
+          <a:xfrm>
+            <a:off x="7477930" y="5155769"/>
+            <a:ext cx="573437" cy="573437"/>
+          </a:xfrm>
+          <a:prstGeom prst="ellipse">
+            <a:avLst/>
+          </a:prstGeom>
+          <a:solidFill>
+            <a:srgbClr val="00B0F0"/>
+          </a:solidFill>
+        </p:spPr>
+        <p:style>
+          <a:lnRef idx="2">
+            <a:schemeClr val="accent1">
+              <a:shade val="50000"/>
+            </a:schemeClr>
+          </a:lnRef>
+          <a:fillRef idx="1">
+            <a:schemeClr val="accent1"/>
+          </a:fillRef>
+          <a:effectRef idx="0">
+            <a:schemeClr val="accent1"/>
+          </a:effectRef>
+          <a:fontRef idx="minor">
+            <a:schemeClr val="lt1"/>
+          </a:fontRef>
+        </p:style>
+        <p:txBody>
+          <a:bodyPr rtlCol="0" anchor="ctr"/>
+          <a:lstStyle/>
+          <a:p>
+            <a:pPr algn="ctr"/>
+            <a:r>
+              <a:rPr lang="en-US" dirty="0"/>
+              <a:t>F</a:t>
+            </a:r>
+          </a:p>
+        </p:txBody>
+      </p:sp>
+      <p:cxnSp>
+        <p:nvCxnSpPr>
+          <p:cNvPr id="11" name="Straight Arrow Connector 10">
+            <a:extLst>
+              <a:ext uri="{FF2B5EF4-FFF2-40B4-BE49-F238E27FC236}">
+                <a16:creationId xmlns:a16="http://schemas.microsoft.com/office/drawing/2014/main" id="{BB659CAA-E2A0-4DC4-93D5-B623CFF09C34}"/>
+              </a:ext>
+            </a:extLst>
+          </p:cNvPr>
+          <p:cNvCxnSpPr>
+            <a:stCxn id="4" idx="6"/>
+            <a:endCxn id="6" idx="2"/>
+          </p:cNvCxnSpPr>
+          <p:nvPr/>
+        </p:nvCxnSpPr>
+        <p:spPr>
+          <a:xfrm>
+            <a:off x="2185261" y="1294109"/>
+            <a:ext cx="2601132" cy="0"/>
+          </a:xfrm>
+          <a:prstGeom prst="straightConnector1">
+            <a:avLst/>
+          </a:prstGeom>
+          <a:ln w="57150">
+            <a:solidFill>
+              <a:srgbClr val="FF0000"/>
+            </a:solidFill>
+            <a:tailEnd type="triangle"/>
+          </a:ln>
+        </p:spPr>
+        <p:style>
+          <a:lnRef idx="1">
+            <a:schemeClr val="accent1"/>
+          </a:lnRef>
+          <a:fillRef idx="0">
+            <a:schemeClr val="accent1"/>
+          </a:fillRef>
+          <a:effectRef idx="0">
+            <a:schemeClr val="accent1"/>
+          </a:effectRef>
+          <a:fontRef idx="minor">
+            <a:schemeClr val="tx1"/>
+          </a:fontRef>
+        </p:style>
+      </p:cxnSp>
+      <p:cxnSp>
+        <p:nvCxnSpPr>
+          <p:cNvPr id="12" name="Straight Arrow Connector 11">
+            <a:extLst>
+              <a:ext uri="{FF2B5EF4-FFF2-40B4-BE49-F238E27FC236}">
+                <a16:creationId xmlns:a16="http://schemas.microsoft.com/office/drawing/2014/main" id="{B72675BA-6932-4471-8D18-F29C2D65FD56}"/>
+              </a:ext>
+            </a:extLst>
+          </p:cNvPr>
+          <p:cNvCxnSpPr>
+            <a:cxnSpLocks/>
+            <a:stCxn id="4" idx="4"/>
+            <a:endCxn id="5" idx="0"/>
+          </p:cNvCxnSpPr>
+          <p:nvPr/>
+        </p:nvCxnSpPr>
+        <p:spPr>
+          <a:xfrm flipH="1">
+            <a:off x="1898542" y="1580827"/>
+            <a:ext cx="1" cy="1144292"/>
+          </a:xfrm>
+          <a:prstGeom prst="straightConnector1">
+            <a:avLst/>
+          </a:prstGeom>
+          <a:ln w="57150">
+            <a:solidFill>
+              <a:srgbClr val="FF0000"/>
+            </a:solidFill>
+            <a:tailEnd type="triangle"/>
+          </a:ln>
+        </p:spPr>
+        <p:style>
+          <a:lnRef idx="1">
+            <a:schemeClr val="accent1"/>
+          </a:lnRef>
+          <a:fillRef idx="0">
+            <a:schemeClr val="accent1"/>
+          </a:fillRef>
+          <a:effectRef idx="0">
+            <a:schemeClr val="accent1"/>
+          </a:effectRef>
+          <a:fontRef idx="minor">
+            <a:schemeClr val="tx1"/>
+          </a:fontRef>
+        </p:style>
+      </p:cxnSp>
+      <p:cxnSp>
+        <p:nvCxnSpPr>
+          <p:cNvPr id="15" name="Straight Arrow Connector 14">
+            <a:extLst>
+              <a:ext uri="{FF2B5EF4-FFF2-40B4-BE49-F238E27FC236}">
+                <a16:creationId xmlns:a16="http://schemas.microsoft.com/office/drawing/2014/main" id="{2765F9B7-C1EF-430A-82D9-96ED57223A22}"/>
+              </a:ext>
+            </a:extLst>
+          </p:cNvPr>
+          <p:cNvCxnSpPr>
+            <a:cxnSpLocks/>
+            <a:stCxn id="4" idx="5"/>
+            <a:endCxn id="7" idx="1"/>
+          </p:cNvCxnSpPr>
+          <p:nvPr/>
+        </p:nvCxnSpPr>
+        <p:spPr>
+          <a:xfrm>
+            <a:off x="2101283" y="1496849"/>
+            <a:ext cx="2800084" cy="1312247"/>
+          </a:xfrm>
+          <a:prstGeom prst="straightConnector1">
+            <a:avLst/>
+          </a:prstGeom>
+          <a:ln w="57150">
+            <a:solidFill>
+              <a:srgbClr val="FF0000"/>
+            </a:solidFill>
+            <a:tailEnd type="triangle"/>
+          </a:ln>
+        </p:spPr>
+        <p:style>
+          <a:lnRef idx="1">
+            <a:schemeClr val="accent1"/>
+          </a:lnRef>
+          <a:fillRef idx="0">
+            <a:schemeClr val="accent1"/>
+          </a:fillRef>
+          <a:effectRef idx="0">
+            <a:schemeClr val="accent1"/>
+          </a:effectRef>
+          <a:fontRef idx="minor">
+            <a:schemeClr val="tx1"/>
+          </a:fontRef>
+        </p:style>
+      </p:cxnSp>
+      <p:cxnSp>
+        <p:nvCxnSpPr>
+          <p:cNvPr id="18" name="Straight Arrow Connector 17">
+            <a:extLst>
+              <a:ext uri="{FF2B5EF4-FFF2-40B4-BE49-F238E27FC236}">
+                <a16:creationId xmlns:a16="http://schemas.microsoft.com/office/drawing/2014/main" id="{0A3EB206-3A9D-4874-9389-E85E04D57321}"/>
+              </a:ext>
+            </a:extLst>
+          </p:cNvPr>
+          <p:cNvCxnSpPr>
+            <a:cxnSpLocks/>
+            <a:endCxn id="7" idx="0"/>
+          </p:cNvCxnSpPr>
+          <p:nvPr/>
+        </p:nvCxnSpPr>
+        <p:spPr>
+          <a:xfrm>
+            <a:off x="5104107" y="1580827"/>
+            <a:ext cx="1" cy="1144291"/>
+          </a:xfrm>
+          <a:prstGeom prst="straightConnector1">
+            <a:avLst/>
+          </a:prstGeom>
+          <a:ln w="57150">
+            <a:solidFill>
+              <a:srgbClr val="FF0000"/>
+            </a:solidFill>
+            <a:tailEnd type="triangle"/>
+          </a:ln>
+        </p:spPr>
+        <p:style>
+          <a:lnRef idx="1">
+            <a:schemeClr val="accent1"/>
+          </a:lnRef>
+          <a:fillRef idx="0">
+            <a:schemeClr val="accent1"/>
+          </a:fillRef>
+          <a:effectRef idx="0">
+            <a:schemeClr val="accent1"/>
+          </a:effectRef>
+          <a:fontRef idx="minor">
+            <a:schemeClr val="tx1"/>
+          </a:fontRef>
+        </p:style>
+      </p:cxnSp>
+      <p:cxnSp>
+        <p:nvCxnSpPr>
+          <p:cNvPr id="19" name="Straight Arrow Connector 18">
+            <a:extLst>
+              <a:ext uri="{FF2B5EF4-FFF2-40B4-BE49-F238E27FC236}">
+                <a16:creationId xmlns:a16="http://schemas.microsoft.com/office/drawing/2014/main" id="{66232EF4-DAD7-4AF7-BF74-BC8EAEF8346F}"/>
+              </a:ext>
+            </a:extLst>
+          </p:cNvPr>
+          <p:cNvCxnSpPr>
+            <a:cxnSpLocks/>
+            <a:stCxn id="6" idx="3"/>
+            <a:endCxn id="5" idx="7"/>
+          </p:cNvCxnSpPr>
+          <p:nvPr/>
+        </p:nvCxnSpPr>
+        <p:spPr>
+          <a:xfrm flipH="1">
+            <a:off x="2101282" y="1496849"/>
+            <a:ext cx="2769089" cy="1312248"/>
+          </a:xfrm>
+          <a:prstGeom prst="straightConnector1">
+            <a:avLst/>
+          </a:prstGeom>
+          <a:ln w="57150">
+            <a:solidFill>
+              <a:srgbClr val="FF0000"/>
+            </a:solidFill>
+            <a:tailEnd type="triangle"/>
+          </a:ln>
+        </p:spPr>
+        <p:style>
+          <a:lnRef idx="1">
+            <a:schemeClr val="accent1"/>
+          </a:lnRef>
+          <a:fillRef idx="0">
+            <a:schemeClr val="accent1"/>
+          </a:fillRef>
+          <a:effectRef idx="0">
+            <a:schemeClr val="accent1"/>
+          </a:effectRef>
+          <a:fontRef idx="minor">
+            <a:schemeClr val="tx1"/>
+          </a:fontRef>
+        </p:style>
+      </p:cxnSp>
+      <p:cxnSp>
+        <p:nvCxnSpPr>
+          <p:cNvPr id="25" name="Straight Arrow Connector 24">
+            <a:extLst>
+              <a:ext uri="{FF2B5EF4-FFF2-40B4-BE49-F238E27FC236}">
+                <a16:creationId xmlns:a16="http://schemas.microsoft.com/office/drawing/2014/main" id="{54E81DD0-8A4C-411B-B839-629469A87843}"/>
+              </a:ext>
+            </a:extLst>
+          </p:cNvPr>
+          <p:cNvCxnSpPr>
+            <a:cxnSpLocks/>
+            <a:stCxn id="5" idx="2"/>
+            <a:endCxn id="4" idx="2"/>
+          </p:cNvCxnSpPr>
+          <p:nvPr/>
+        </p:nvCxnSpPr>
+        <p:spPr>
+          <a:xfrm flipV="1">
+            <a:off x="1611823" y="1294109"/>
+            <a:ext cx="1" cy="1717729"/>
+          </a:xfrm>
+          <a:prstGeom prst="straightConnector1">
+            <a:avLst/>
+          </a:prstGeom>
+          <a:ln w="57150">
+            <a:solidFill>
+              <a:srgbClr val="FF0000"/>
+            </a:solidFill>
+            <a:tailEnd type="triangle"/>
+          </a:ln>
+        </p:spPr>
+        <p:style>
+          <a:lnRef idx="1">
+            <a:schemeClr val="accent1"/>
+          </a:lnRef>
+          <a:fillRef idx="0">
+            <a:schemeClr val="accent1"/>
+          </a:fillRef>
+          <a:effectRef idx="0">
+            <a:schemeClr val="accent1"/>
+          </a:effectRef>
+          <a:fontRef idx="minor">
+            <a:schemeClr val="tx1"/>
+          </a:fontRef>
+        </p:style>
+      </p:cxnSp>
+      <p:cxnSp>
+        <p:nvCxnSpPr>
+          <p:cNvPr id="29" name="Straight Arrow Connector 28">
+            <a:extLst>
+              <a:ext uri="{FF2B5EF4-FFF2-40B4-BE49-F238E27FC236}">
+                <a16:creationId xmlns:a16="http://schemas.microsoft.com/office/drawing/2014/main" id="{BE11B419-8710-4DE0-953A-758E8A2BB4B9}"/>
+              </a:ext>
+            </a:extLst>
+          </p:cNvPr>
+          <p:cNvCxnSpPr>
+            <a:cxnSpLocks/>
+            <a:stCxn id="5" idx="4"/>
+            <a:endCxn id="9" idx="1"/>
+          </p:cNvCxnSpPr>
+          <p:nvPr/>
+        </p:nvCxnSpPr>
+        <p:spPr>
+          <a:xfrm>
+            <a:off x="1898542" y="3298556"/>
+            <a:ext cx="5663366" cy="1941191"/>
+          </a:xfrm>
+          <a:prstGeom prst="straightConnector1">
+            <a:avLst/>
+          </a:prstGeom>
+          <a:ln w="57150">
+            <a:solidFill>
+              <a:srgbClr val="FF0000"/>
+            </a:solidFill>
+            <a:tailEnd type="triangle"/>
+          </a:ln>
+        </p:spPr>
+        <p:style>
+          <a:lnRef idx="1">
+            <a:schemeClr val="accent1"/>
+          </a:lnRef>
+          <a:fillRef idx="0">
+            <a:schemeClr val="accent1"/>
+          </a:fillRef>
+          <a:effectRef idx="0">
+            <a:schemeClr val="accent1"/>
+          </a:effectRef>
+          <a:fontRef idx="minor">
+            <a:schemeClr val="tx1"/>
+          </a:fontRef>
+        </p:style>
+      </p:cxnSp>
+      <p:cxnSp>
+        <p:nvCxnSpPr>
+          <p:cNvPr id="32" name="Straight Arrow Connector 31">
+            <a:extLst>
+              <a:ext uri="{FF2B5EF4-FFF2-40B4-BE49-F238E27FC236}">
+                <a16:creationId xmlns:a16="http://schemas.microsoft.com/office/drawing/2014/main" id="{FD642E71-9984-4955-9473-510C4998E9F2}"/>
+              </a:ext>
+            </a:extLst>
+          </p:cNvPr>
+          <p:cNvCxnSpPr>
+            <a:cxnSpLocks/>
+            <a:stCxn id="8" idx="4"/>
+            <a:endCxn id="9" idx="0"/>
+          </p:cNvCxnSpPr>
+          <p:nvPr/>
+        </p:nvCxnSpPr>
+        <p:spPr>
+          <a:xfrm>
+            <a:off x="7764649" y="3298555"/>
+            <a:ext cx="0" cy="1857214"/>
+          </a:xfrm>
+          <a:prstGeom prst="straightConnector1">
+            <a:avLst/>
+          </a:prstGeom>
+          <a:ln w="57150">
+            <a:solidFill>
+              <a:srgbClr val="FF0000"/>
+            </a:solidFill>
+            <a:tailEnd type="triangle"/>
+          </a:ln>
+        </p:spPr>
+        <p:style>
+          <a:lnRef idx="1">
+            <a:schemeClr val="accent1"/>
+          </a:lnRef>
+          <a:fillRef idx="0">
+            <a:schemeClr val="accent1"/>
+          </a:fillRef>
+          <a:effectRef idx="0">
+            <a:schemeClr val="accent1"/>
+          </a:effectRef>
+          <a:fontRef idx="minor">
+            <a:schemeClr val="tx1"/>
+          </a:fontRef>
+        </p:style>
+      </p:cxnSp>
+    </p:spTree>
+    <p:extLst>
+      <p:ext uri="{BB962C8B-B14F-4D97-AF65-F5344CB8AC3E}">
+        <p14:creationId xmlns:p14="http://schemas.microsoft.com/office/powerpoint/2010/main" val="2043659658"/>
       </p:ext>
     </p:extLst>
   </p:cSld>
